--- a/img/tile.pptx
+++ b/img/tile.pptx
@@ -151,7 +151,7 @@
       </p14:sectionLst>
     </p:ext>
     <p:ext uri="{EFAFB233-063F-42B5-8137-9DF3F51BA10A}">
-      <p15:sldGuideLst xmlns="" xmlns:p15="http://schemas.microsoft.com/office/powerpoint/2012/main">
+      <p15:sldGuideLst xmlns:p15="http://schemas.microsoft.com/office/powerpoint/2012/main" xmlns="">
         <p15:guide id="1" orient="horz" pos="2160">
           <p15:clr>
             <a:srgbClr val="A4A3A4"/>
@@ -165,7 +165,7 @@
       </p15:sldGuideLst>
     </p:ext>
     <p:ext uri="{2D200454-40CA-4A62-9FC3-DE9A4176ACB9}">
-      <p15:notesGuideLst xmlns="" xmlns:p15="http://schemas.microsoft.com/office/powerpoint/2012/main">
+      <p15:notesGuideLst xmlns:p15="http://schemas.microsoft.com/office/powerpoint/2012/main" xmlns="">
         <p15:guide id="1" orient="horz" pos="3223">
           <p15:clr>
             <a:srgbClr val="A4A3A4"/>
@@ -2010,7 +2010,7 @@
             <a:lstStyle/>
             <a:p>
               <a:pPr algn="ctr"/>
-              <a:endParaRPr lang="ja-JP" altLang="en-US"/>
+              <a:endParaRPr lang="ja-JP" altLang="en-US" sz="1200"/>
             </a:p>
           </p:txBody>
         </p:sp>
@@ -3357,7 +3357,7 @@
             <a:lstStyle/>
             <a:p>
               <a:pPr algn="ctr"/>
-              <a:endParaRPr kumimoji="1" lang="ja-JP" altLang="en-US"/>
+              <a:endParaRPr kumimoji="1" lang="ja-JP" altLang="en-US" sz="1200"/>
             </a:p>
           </p:txBody>
         </p:sp>
@@ -3405,7 +3405,7 @@
             <a:lstStyle/>
             <a:p>
               <a:pPr algn="ctr"/>
-              <a:endParaRPr kumimoji="1" lang="ja-JP" altLang="en-US"/>
+              <a:endParaRPr kumimoji="1" lang="ja-JP" altLang="en-US" sz="1200"/>
             </a:p>
           </p:txBody>
         </p:sp>
@@ -3450,7 +3450,7 @@
             <a:lstStyle/>
             <a:p>
               <a:pPr algn="ctr"/>
-              <a:endParaRPr kumimoji="1" lang="ja-JP" altLang="en-US"/>
+              <a:endParaRPr kumimoji="1" lang="ja-JP" altLang="en-US" sz="1200"/>
             </a:p>
           </p:txBody>
         </p:sp>
@@ -3555,7 +3555,7 @@
             <a:lstStyle/>
             <a:p>
               <a:pPr algn="ctr"/>
-              <a:endParaRPr kumimoji="1" lang="ja-JP" altLang="en-US"/>
+              <a:endParaRPr kumimoji="1" lang="ja-JP" altLang="en-US" sz="1200"/>
             </a:p>
           </p:txBody>
         </p:sp>
@@ -3666,10 +3666,10 @@
         </p:nvGrpSpPr>
         <p:grpSpPr>
           <a:xfrm>
-            <a:off x="-169493" y="1067222"/>
-            <a:ext cx="1996889" cy="1427153"/>
-            <a:chOff x="416641" y="5618"/>
-            <a:chExt cx="1996889" cy="1427153"/>
+            <a:off x="262555" y="995214"/>
+            <a:ext cx="1807421" cy="1499161"/>
+            <a:chOff x="416641" y="-66390"/>
+            <a:chExt cx="1807421" cy="1499161"/>
           </a:xfrm>
         </p:grpSpPr>
         <p:grpSp>
@@ -3680,10 +3680,10 @@
           </p:nvGrpSpPr>
           <p:grpSpPr>
             <a:xfrm>
-              <a:off x="629816" y="5618"/>
-              <a:ext cx="1783714" cy="903002"/>
-              <a:chOff x="1573917" y="5618"/>
-              <a:chExt cx="1783714" cy="903002"/>
+              <a:off x="550390" y="-66390"/>
+              <a:ext cx="1673672" cy="975010"/>
+              <a:chOff x="1494491" y="-66390"/>
+              <a:chExt cx="1673672" cy="975010"/>
             </a:xfrm>
           </p:grpSpPr>
           <p:sp>
@@ -3729,7 +3729,7 @@
               <a:lstStyle/>
               <a:p>
                 <a:pPr algn="ctr"/>
-                <a:endParaRPr kumimoji="1" lang="ja-JP" altLang="en-US"/>
+                <a:endParaRPr kumimoji="1" lang="ja-JP" altLang="en-US" sz="1200"/>
               </a:p>
             </p:txBody>
           </p:sp>
@@ -3780,7 +3780,7 @@
               <a:lstStyle/>
               <a:p>
                 <a:pPr algn="ctr"/>
-                <a:endParaRPr lang="ja-JP" altLang="en-US"/>
+                <a:endParaRPr lang="ja-JP" altLang="en-US" sz="1200"/>
               </a:p>
             </p:txBody>
           </p:sp>
@@ -3975,7 +3975,7 @@
               <a:lstStyle/>
               <a:p>
                 <a:pPr algn="ctr"/>
-                <a:endParaRPr kumimoji="1" lang="ja-JP" altLang="en-US"/>
+                <a:endParaRPr kumimoji="1" lang="ja-JP" altLang="en-US" sz="1200"/>
               </a:p>
             </p:txBody>
           </p:sp>
@@ -4031,8 +4031,8 @@
                 </p:nvSpPr>
                 <p:spPr>
                   <a:xfrm>
-                    <a:off x="1683959" y="5618"/>
-                    <a:ext cx="1673672" cy="276999"/>
+                    <a:off x="1494491" y="-66390"/>
+                    <a:ext cx="1673672" cy="461665"/>
                   </a:xfrm>
                   <a:prstGeom prst="rect">
                     <a:avLst/>
@@ -4100,7 +4100,30 @@
                         <a:ea typeface="HG丸ｺﾞｼｯｸM-PRO" panose="020F0600000000000000" pitchFamily="50" charset="-128"/>
                         <a:cs typeface="Courier New" pitchFamily="49" charset="0"/>
                       </a:rPr>
-                      <a:t>上の関数</a:t>
+                      <a:t>上</a:t>
+                    </a:r>
+                    <a:r>
+                      <a:rPr lang="ja-JP" altLang="en-US" sz="1200" smtClean="0">
+                        <a:latin typeface="HG丸ｺﾞｼｯｸM-PRO" panose="020F0600000000000000" pitchFamily="50" charset="-128"/>
+                        <a:ea typeface="HG丸ｺﾞｼｯｸM-PRO" panose="020F0600000000000000" pitchFamily="50" charset="-128"/>
+                        <a:cs typeface="Courier New" pitchFamily="49" charset="0"/>
+                      </a:rPr>
+                      <a:t>の</a:t>
+                    </a:r>
+                    <a:endParaRPr lang="en-US" altLang="ja-JP" sz="1200" smtClean="0">
+                      <a:latin typeface="HG丸ｺﾞｼｯｸM-PRO" panose="020F0600000000000000" pitchFamily="50" charset="-128"/>
+                      <a:ea typeface="HG丸ｺﾞｼｯｸM-PRO" panose="020F0600000000000000" pitchFamily="50" charset="-128"/>
+                      <a:cs typeface="Courier New" pitchFamily="49" charset="0"/>
+                    </a:endParaRPr>
+                  </a:p>
+                  <a:p>
+                    <a:r>
+                      <a:rPr lang="ja-JP" altLang="en-US" sz="1200" smtClean="0">
+                        <a:latin typeface="HG丸ｺﾞｼｯｸM-PRO" panose="020F0600000000000000" pitchFamily="50" charset="-128"/>
+                        <a:ea typeface="HG丸ｺﾞｼｯｸM-PRO" panose="020F0600000000000000" pitchFamily="50" charset="-128"/>
+                        <a:cs typeface="Courier New" pitchFamily="49" charset="0"/>
+                      </a:rPr>
+                      <a:t>関数</a:t>
                     </a:r>
                     <a14:m>
                       <m:oMath xmlns:m="http://schemas.openxmlformats.org/officeDocument/2006/math">
@@ -4134,8 +4157,8 @@
                 </p:nvSpPr>
                 <p:spPr>
                   <a:xfrm>
-                    <a:off x="1683959" y="5618"/>
-                    <a:ext cx="1673672" cy="276999"/>
+                    <a:off x="1494491" y="-66390"/>
+                    <a:ext cx="1673672" cy="461665"/>
                   </a:xfrm>
                   <a:prstGeom prst="rect">
                     <a:avLst/>
@@ -4143,7 +4166,7 @@
                   <a:blipFill rotWithShape="1">
                     <a:blip r:embed="rId8"/>
                     <a:stretch>
-                      <a:fillRect b="-15217"/>
+                      <a:fillRect b="-9211"/>
                     </a:stretch>
                   </a:blipFill>
                   <a:ln w="19050" cap="rnd">
@@ -4211,7 +4234,7 @@
             <a:lstStyle/>
             <a:p>
               <a:pPr algn="ctr"/>
-              <a:endParaRPr kumimoji="1" lang="ja-JP" altLang="en-US"/>
+              <a:endParaRPr kumimoji="1" lang="ja-JP" altLang="en-US" sz="1200"/>
             </a:p>
           </p:txBody>
         </p:sp>
@@ -4226,8 +4249,8 @@
             </p:nvSpPr>
             <p:spPr>
               <a:xfrm>
-                <a:off x="1853952" y="1109613"/>
-                <a:ext cx="1609683" cy="461665"/>
+                <a:off x="2116477" y="995214"/>
+                <a:ext cx="1609683" cy="646331"/>
               </a:xfrm>
               <a:prstGeom prst="rect">
                 <a:avLst/>
@@ -4244,7 +4267,6 @@
               </a:bodyPr>
               <a:lstStyle/>
               <a:p>
-                <a:pPr algn="ctr"/>
                 <a:r>
                   <a:rPr lang="ja-JP" altLang="en-US" sz="1200" smtClean="0">
                     <a:latin typeface="HG丸ｺﾞｼｯｸM-PRO" panose="020F0600000000000000" pitchFamily="50" charset="-128"/>
@@ -4271,7 +4293,30 @@
                     <a:ea typeface="HG丸ｺﾞｼｯｸM-PRO" panose="020F0600000000000000" pitchFamily="50" charset="-128"/>
                     <a:cs typeface="Courier New" pitchFamily="49" charset="0"/>
                   </a:rPr>
-                  <a:t>上の関数</a:t>
+                  <a:t>上</a:t>
+                </a:r>
+                <a:r>
+                  <a:rPr lang="ja-JP" altLang="en-US" sz="1200" smtClean="0">
+                    <a:latin typeface="HG丸ｺﾞｼｯｸM-PRO" panose="020F0600000000000000" pitchFamily="50" charset="-128"/>
+                    <a:ea typeface="HG丸ｺﾞｼｯｸM-PRO" panose="020F0600000000000000" pitchFamily="50" charset="-128"/>
+                    <a:cs typeface="Courier New" pitchFamily="49" charset="0"/>
+                  </a:rPr>
+                  <a:t>の</a:t>
+                </a:r>
+                <a:endParaRPr lang="en-US" altLang="ja-JP" sz="1200" smtClean="0">
+                  <a:latin typeface="HG丸ｺﾞｼｯｸM-PRO" panose="020F0600000000000000" pitchFamily="50" charset="-128"/>
+                  <a:ea typeface="HG丸ｺﾞｼｯｸM-PRO" panose="020F0600000000000000" pitchFamily="50" charset="-128"/>
+                  <a:cs typeface="Courier New" pitchFamily="49" charset="0"/>
+                </a:endParaRPr>
+              </a:p>
+              <a:p>
+                <a:r>
+                  <a:rPr lang="ja-JP" altLang="en-US" sz="1200" smtClean="0">
+                    <a:latin typeface="HG丸ｺﾞｼｯｸM-PRO" panose="020F0600000000000000" pitchFamily="50" charset="-128"/>
+                    <a:ea typeface="HG丸ｺﾞｼｯｸM-PRO" panose="020F0600000000000000" pitchFamily="50" charset="-128"/>
+                    <a:cs typeface="Courier New" pitchFamily="49" charset="0"/>
+                  </a:rPr>
+                  <a:t>関数</a:t>
                 </a:r>
                 <a14:m>
                   <m:oMath xmlns:m="http://schemas.openxmlformats.org/officeDocument/2006/math">
@@ -4320,8 +4365,8 @@
             </p:nvSpPr>
             <p:spPr>
               <a:xfrm>
-                <a:off x="1853952" y="1109613"/>
-                <a:ext cx="1609683" cy="461665"/>
+                <a:off x="2116477" y="995214"/>
+                <a:ext cx="1609683" cy="646331"/>
               </a:xfrm>
               <a:prstGeom prst="rect">
                 <a:avLst/>

--- a/img/tile.pptx
+++ b/img/tile.pptx
@@ -151,7 +151,7 @@
       </p14:sectionLst>
     </p:ext>
     <p:ext uri="{EFAFB233-063F-42B5-8137-9DF3F51BA10A}">
-      <p15:sldGuideLst xmlns:p15="http://schemas.microsoft.com/office/powerpoint/2012/main" xmlns="">
+      <p15:sldGuideLst xmlns="" xmlns:p15="http://schemas.microsoft.com/office/powerpoint/2012/main">
         <p15:guide id="1" orient="horz" pos="2160">
           <p15:clr>
             <a:srgbClr val="A4A3A4"/>
@@ -165,7 +165,7 @@
       </p15:sldGuideLst>
     </p:ext>
     <p:ext uri="{2D200454-40CA-4A62-9FC3-DE9A4176ACB9}">
-      <p15:notesGuideLst xmlns:p15="http://schemas.microsoft.com/office/powerpoint/2012/main" xmlns="">
+      <p15:notesGuideLst xmlns="" xmlns:p15="http://schemas.microsoft.com/office/powerpoint/2012/main">
         <p15:guide id="1" orient="horz" pos="3223">
           <p15:clr>
             <a:srgbClr val="A4A3A4"/>
@@ -1980,9 +1980,8 @@
               </a:avLst>
             </a:prstGeom>
             <a:solidFill>
-              <a:schemeClr val="accent5">
-                <a:lumMod val="20000"/>
-                <a:lumOff val="80000"/>
+              <a:schemeClr val="bg1">
+                <a:lumMod val="85000"/>
               </a:schemeClr>
             </a:solidFill>
             <a:ln>
@@ -3750,9 +3749,8 @@
                 </a:avLst>
               </a:prstGeom>
               <a:solidFill>
-                <a:schemeClr val="accent5">
-                  <a:lumMod val="20000"/>
-                  <a:lumOff val="80000"/>
+                <a:schemeClr val="bg1">
+                  <a:lumMod val="85000"/>
                 </a:schemeClr>
               </a:solidFill>
               <a:ln>
@@ -4021,8 +4019,8 @@
               </a:p>
             </p:txBody>
           </p:sp>
-          <mc:AlternateContent xmlns:mc="http://schemas.openxmlformats.org/markup-compatibility/2006">
-            <mc:Choice xmlns:a14="http://schemas.microsoft.com/office/drawing/2010/main" Requires="a14">
+          <mc:AlternateContent xmlns:mc="http://schemas.openxmlformats.org/markup-compatibility/2006" xmlns:a14="http://schemas.microsoft.com/office/drawing/2010/main">
+            <mc:Choice Requires="a14">
               <p:sp>
                 <p:nvSpPr>
                   <p:cNvPr id="63" name="テキスト ボックス 62"/>
@@ -4100,15 +4098,7 @@
                         <a:ea typeface="HG丸ｺﾞｼｯｸM-PRO" panose="020F0600000000000000" pitchFamily="50" charset="-128"/>
                         <a:cs typeface="Courier New" pitchFamily="49" charset="0"/>
                       </a:rPr>
-                      <a:t>上</a:t>
-                    </a:r>
-                    <a:r>
-                      <a:rPr lang="ja-JP" altLang="en-US" sz="1200" smtClean="0">
-                        <a:latin typeface="HG丸ｺﾞｼｯｸM-PRO" panose="020F0600000000000000" pitchFamily="50" charset="-128"/>
-                        <a:ea typeface="HG丸ｺﾞｼｯｸM-PRO" panose="020F0600000000000000" pitchFamily="50" charset="-128"/>
-                        <a:cs typeface="Courier New" pitchFamily="49" charset="0"/>
-                      </a:rPr>
-                      <a:t>の</a:t>
+                      <a:t>上の</a:t>
                     </a:r>
                     <a:endParaRPr lang="en-US" altLang="ja-JP" sz="1200" smtClean="0">
                       <a:latin typeface="HG丸ｺﾞｼｯｸM-PRO" panose="020F0600000000000000" pitchFamily="50" charset="-128"/>
@@ -4146,7 +4136,7 @@
                 </p:txBody>
               </p:sp>
             </mc:Choice>
-            <mc:Fallback>
+            <mc:Fallback xmlns="">
               <p:sp>
                 <p:nvSpPr>
                   <p:cNvPr id="63" name="テキスト ボックス 62"/>
@@ -4239,8 +4229,8 @@
           </p:txBody>
         </p:sp>
       </p:grpSp>
-      <mc:AlternateContent xmlns:mc="http://schemas.openxmlformats.org/markup-compatibility/2006">
-        <mc:Choice xmlns:a14="http://schemas.microsoft.com/office/drawing/2010/main" Requires="a14">
+      <mc:AlternateContent xmlns:mc="http://schemas.openxmlformats.org/markup-compatibility/2006" xmlns:a14="http://schemas.microsoft.com/office/drawing/2010/main">
+        <mc:Choice Requires="a14">
           <p:sp>
             <p:nvSpPr>
               <p:cNvPr id="65" name="テキスト ボックス 64"/>
@@ -4293,15 +4283,7 @@
                     <a:ea typeface="HG丸ｺﾞｼｯｸM-PRO" panose="020F0600000000000000" pitchFamily="50" charset="-128"/>
                     <a:cs typeface="Courier New" pitchFamily="49" charset="0"/>
                   </a:rPr>
-                  <a:t>上</a:t>
-                </a:r>
-                <a:r>
-                  <a:rPr lang="ja-JP" altLang="en-US" sz="1200" smtClean="0">
-                    <a:latin typeface="HG丸ｺﾞｼｯｸM-PRO" panose="020F0600000000000000" pitchFamily="50" charset="-128"/>
-                    <a:ea typeface="HG丸ｺﾞｼｯｸM-PRO" panose="020F0600000000000000" pitchFamily="50" charset="-128"/>
-                    <a:cs typeface="Courier New" pitchFamily="49" charset="0"/>
-                  </a:rPr>
-                  <a:t>の</a:t>
+                  <a:t>上の</a:t>
                 </a:r>
                 <a:endParaRPr lang="en-US" altLang="ja-JP" sz="1200" smtClean="0">
                   <a:latin typeface="HG丸ｺﾞｼｯｸM-PRO" panose="020F0600000000000000" pitchFamily="50" charset="-128"/>
@@ -4354,7 +4336,7 @@
             </p:txBody>
           </p:sp>
         </mc:Choice>
-        <mc:Fallback>
+        <mc:Fallback xmlns="">
           <p:sp>
             <p:nvSpPr>
               <p:cNvPr id="65" name="テキスト ボックス 64"/>

--- a/img/tile.pptx
+++ b/img/tile.pptx
@@ -151,7 +151,7 @@
       </p14:sectionLst>
     </p:ext>
     <p:ext uri="{EFAFB233-063F-42B5-8137-9DF3F51BA10A}">
-      <p15:sldGuideLst xmlns="" xmlns:p15="http://schemas.microsoft.com/office/powerpoint/2012/main">
+      <p15:sldGuideLst xmlns:p15="http://schemas.microsoft.com/office/powerpoint/2012/main" xmlns="">
         <p15:guide id="1" orient="horz" pos="2160">
           <p15:clr>
             <a:srgbClr val="A4A3A4"/>
@@ -165,7 +165,7 @@
       </p15:sldGuideLst>
     </p:ext>
     <p:ext uri="{2D200454-40CA-4A62-9FC3-DE9A4176ACB9}">
-      <p15:notesGuideLst xmlns="" xmlns:p15="http://schemas.microsoft.com/office/powerpoint/2012/main">
+      <p15:notesGuideLst xmlns:p15="http://schemas.microsoft.com/office/powerpoint/2012/main" xmlns="">
         <p15:guide id="1" orient="horz" pos="3223">
           <p15:clr>
             <a:srgbClr val="A4A3A4"/>
@@ -3500,7 +3500,15 @@
                   <a:ea typeface="HG丸ｺﾞｼｯｸM-PRO" panose="020F0600000000000000" pitchFamily="50" charset="-128"/>
                   <a:cs typeface="Courier New" pitchFamily="49" charset="0"/>
                 </a:rPr>
-                <a:t>同じ値へいく</a:t>
+                <a:t>同じ</a:t>
+              </a:r>
+              <a:r>
+                <a:rPr lang="ja-JP" altLang="en-US" sz="1200" smtClean="0">
+                  <a:latin typeface="HG丸ｺﾞｼｯｸM-PRO" panose="020F0600000000000000" pitchFamily="50" charset="-128"/>
+                  <a:ea typeface="HG丸ｺﾞｼｯｸM-PRO" panose="020F0600000000000000" pitchFamily="50" charset="-128"/>
+                  <a:cs typeface="Courier New" pitchFamily="49" charset="0"/>
+                </a:rPr>
+                <a:t>値になる</a:t>
               </a:r>
               <a:endParaRPr lang="en-US" altLang="ja-JP" sz="1200">
                 <a:latin typeface="HG丸ｺﾞｼｯｸM-PRO" panose="020F0600000000000000" pitchFamily="50" charset="-128"/>
